--- a/212 - Guide Us, O Thou Great Jehovah.pptx
+++ b/212 - Guide Us, O Thou Great Jehovah.pptx
@@ -243,7 +243,7 @@
           <a:p>
             <a:fld id="{32F7251A-AE54-443C-B8FE-5F636E835EBF}" type="datetimeFigureOut">
               <a:rPr lang="en-US" smtClean="0"/>
-              <a:t>4/15/2018</a:t>
+              <a:t>9/9/2018</a:t>
             </a:fld>
             <a:endParaRPr lang="en-US"/>
           </a:p>
@@ -411,7 +411,7 @@
           <a:p>
             <a:fld id="{32F7251A-AE54-443C-B8FE-5F636E835EBF}" type="datetimeFigureOut">
               <a:rPr lang="en-US" smtClean="0"/>
-              <a:t>4/15/2018</a:t>
+              <a:t>9/9/2018</a:t>
             </a:fld>
             <a:endParaRPr lang="en-US"/>
           </a:p>
@@ -589,7 +589,7 @@
           <a:p>
             <a:fld id="{32F7251A-AE54-443C-B8FE-5F636E835EBF}" type="datetimeFigureOut">
               <a:rPr lang="en-US" smtClean="0"/>
-              <a:t>4/15/2018</a:t>
+              <a:t>9/9/2018</a:t>
             </a:fld>
             <a:endParaRPr lang="en-US"/>
           </a:p>
@@ -757,7 +757,7 @@
           <a:p>
             <a:fld id="{32F7251A-AE54-443C-B8FE-5F636E835EBF}" type="datetimeFigureOut">
               <a:rPr lang="en-US" smtClean="0"/>
-              <a:t>4/15/2018</a:t>
+              <a:t>9/9/2018</a:t>
             </a:fld>
             <a:endParaRPr lang="en-US"/>
           </a:p>
@@ -1002,7 +1002,7 @@
           <a:p>
             <a:fld id="{32F7251A-AE54-443C-B8FE-5F636E835EBF}" type="datetimeFigureOut">
               <a:rPr lang="en-US" smtClean="0"/>
-              <a:t>4/15/2018</a:t>
+              <a:t>9/9/2018</a:t>
             </a:fld>
             <a:endParaRPr lang="en-US"/>
           </a:p>
@@ -1231,7 +1231,7 @@
           <a:p>
             <a:fld id="{32F7251A-AE54-443C-B8FE-5F636E835EBF}" type="datetimeFigureOut">
               <a:rPr lang="en-US" smtClean="0"/>
-              <a:t>4/15/2018</a:t>
+              <a:t>9/9/2018</a:t>
             </a:fld>
             <a:endParaRPr lang="en-US"/>
           </a:p>
@@ -1595,7 +1595,7 @@
           <a:p>
             <a:fld id="{32F7251A-AE54-443C-B8FE-5F636E835EBF}" type="datetimeFigureOut">
               <a:rPr lang="en-US" smtClean="0"/>
-              <a:t>4/15/2018</a:t>
+              <a:t>9/9/2018</a:t>
             </a:fld>
             <a:endParaRPr lang="en-US"/>
           </a:p>
@@ -1712,7 +1712,7 @@
           <a:p>
             <a:fld id="{32F7251A-AE54-443C-B8FE-5F636E835EBF}" type="datetimeFigureOut">
               <a:rPr lang="en-US" smtClean="0"/>
-              <a:t>4/15/2018</a:t>
+              <a:t>9/9/2018</a:t>
             </a:fld>
             <a:endParaRPr lang="en-US"/>
           </a:p>
@@ -1807,7 +1807,7 @@
           <a:p>
             <a:fld id="{32F7251A-AE54-443C-B8FE-5F636E835EBF}" type="datetimeFigureOut">
               <a:rPr lang="en-US" smtClean="0"/>
-              <a:t>4/15/2018</a:t>
+              <a:t>9/9/2018</a:t>
             </a:fld>
             <a:endParaRPr lang="en-US"/>
           </a:p>
@@ -2082,7 +2082,7 @@
           <a:p>
             <a:fld id="{32F7251A-AE54-443C-B8FE-5F636E835EBF}" type="datetimeFigureOut">
               <a:rPr lang="en-US" smtClean="0"/>
-              <a:t>4/15/2018</a:t>
+              <a:t>9/9/2018</a:t>
             </a:fld>
             <a:endParaRPr lang="en-US"/>
           </a:p>
@@ -2334,7 +2334,7 @@
           <a:p>
             <a:fld id="{32F7251A-AE54-443C-B8FE-5F636E835EBF}" type="datetimeFigureOut">
               <a:rPr lang="en-US" smtClean="0"/>
-              <a:t>4/15/2018</a:t>
+              <a:t>9/9/2018</a:t>
             </a:fld>
             <a:endParaRPr lang="en-US"/>
           </a:p>
@@ -2548,7 +2548,7 @@
           <a:p>
             <a:fld id="{32F7251A-AE54-443C-B8FE-5F636E835EBF}" type="datetimeFigureOut">
               <a:rPr lang="en-US" smtClean="0"/>
-              <a:t>4/15/2018</a:t>
+              <a:t>9/9/2018</a:t>
             </a:fld>
             <a:endParaRPr lang="en-US"/>
           </a:p>

--- a/212 - Guide Us, O Thou Great Jehovah.pptx
+++ b/212 - Guide Us, O Thou Great Jehovah.pptx
@@ -243,7 +243,7 @@
           <a:p>
             <a:fld id="{32F7251A-AE54-443C-B8FE-5F636E835EBF}" type="datetimeFigureOut">
               <a:rPr lang="en-US" smtClean="0"/>
-              <a:t>9/9/2018</a:t>
+              <a:t>5/24/2020</a:t>
             </a:fld>
             <a:endParaRPr lang="en-US"/>
           </a:p>
@@ -411,7 +411,7 @@
           <a:p>
             <a:fld id="{32F7251A-AE54-443C-B8FE-5F636E835EBF}" type="datetimeFigureOut">
               <a:rPr lang="en-US" smtClean="0"/>
-              <a:t>9/9/2018</a:t>
+              <a:t>5/24/2020</a:t>
             </a:fld>
             <a:endParaRPr lang="en-US"/>
           </a:p>
@@ -589,7 +589,7 @@
           <a:p>
             <a:fld id="{32F7251A-AE54-443C-B8FE-5F636E835EBF}" type="datetimeFigureOut">
               <a:rPr lang="en-US" smtClean="0"/>
-              <a:t>9/9/2018</a:t>
+              <a:t>5/24/2020</a:t>
             </a:fld>
             <a:endParaRPr lang="en-US"/>
           </a:p>
@@ -757,7 +757,7 @@
           <a:p>
             <a:fld id="{32F7251A-AE54-443C-B8FE-5F636E835EBF}" type="datetimeFigureOut">
               <a:rPr lang="en-US" smtClean="0"/>
-              <a:t>9/9/2018</a:t>
+              <a:t>5/24/2020</a:t>
             </a:fld>
             <a:endParaRPr lang="en-US"/>
           </a:p>
@@ -1002,7 +1002,7 @@
           <a:p>
             <a:fld id="{32F7251A-AE54-443C-B8FE-5F636E835EBF}" type="datetimeFigureOut">
               <a:rPr lang="en-US" smtClean="0"/>
-              <a:t>9/9/2018</a:t>
+              <a:t>5/24/2020</a:t>
             </a:fld>
             <a:endParaRPr lang="en-US"/>
           </a:p>
@@ -1231,7 +1231,7 @@
           <a:p>
             <a:fld id="{32F7251A-AE54-443C-B8FE-5F636E835EBF}" type="datetimeFigureOut">
               <a:rPr lang="en-US" smtClean="0"/>
-              <a:t>9/9/2018</a:t>
+              <a:t>5/24/2020</a:t>
             </a:fld>
             <a:endParaRPr lang="en-US"/>
           </a:p>
@@ -1595,7 +1595,7 @@
           <a:p>
             <a:fld id="{32F7251A-AE54-443C-B8FE-5F636E835EBF}" type="datetimeFigureOut">
               <a:rPr lang="en-US" smtClean="0"/>
-              <a:t>9/9/2018</a:t>
+              <a:t>5/24/2020</a:t>
             </a:fld>
             <a:endParaRPr lang="en-US"/>
           </a:p>
@@ -1712,7 +1712,7 @@
           <a:p>
             <a:fld id="{32F7251A-AE54-443C-B8FE-5F636E835EBF}" type="datetimeFigureOut">
               <a:rPr lang="en-US" smtClean="0"/>
-              <a:t>9/9/2018</a:t>
+              <a:t>5/24/2020</a:t>
             </a:fld>
             <a:endParaRPr lang="en-US"/>
           </a:p>
@@ -1807,7 +1807,7 @@
           <a:p>
             <a:fld id="{32F7251A-AE54-443C-B8FE-5F636E835EBF}" type="datetimeFigureOut">
               <a:rPr lang="en-US" smtClean="0"/>
-              <a:t>9/9/2018</a:t>
+              <a:t>5/24/2020</a:t>
             </a:fld>
             <a:endParaRPr lang="en-US"/>
           </a:p>
@@ -2082,7 +2082,7 @@
           <a:p>
             <a:fld id="{32F7251A-AE54-443C-B8FE-5F636E835EBF}" type="datetimeFigureOut">
               <a:rPr lang="en-US" smtClean="0"/>
-              <a:t>9/9/2018</a:t>
+              <a:t>5/24/2020</a:t>
             </a:fld>
             <a:endParaRPr lang="en-US"/>
           </a:p>
@@ -2334,7 +2334,7 @@
           <a:p>
             <a:fld id="{32F7251A-AE54-443C-B8FE-5F636E835EBF}" type="datetimeFigureOut">
               <a:rPr lang="en-US" smtClean="0"/>
-              <a:t>9/9/2018</a:t>
+              <a:t>5/24/2020</a:t>
             </a:fld>
             <a:endParaRPr lang="en-US"/>
           </a:p>
@@ -2401,7 +2401,9 @@
     <p:bg>
       <p:bgPr>
         <a:solidFill>
-          <a:srgbClr val="333333"/>
+          <a:schemeClr val="bg1">
+            <a:lumMod val="10000"/>
+          </a:schemeClr>
         </a:solidFill>
         <a:effectLst/>
       </p:bgPr>
@@ -2548,7 +2550,7 @@
           <a:p>
             <a:fld id="{32F7251A-AE54-443C-B8FE-5F636E835EBF}" type="datetimeFigureOut">
               <a:rPr lang="en-US" smtClean="0"/>
-              <a:t>9/9/2018</a:t>
+              <a:t>5/24/2020</a:t>
             </a:fld>
             <a:endParaRPr lang="en-US"/>
           </a:p>
@@ -3018,8 +3020,8 @@
         </p:nvSpPr>
         <p:spPr>
           <a:xfrm>
-            <a:off x="0" y="5804209"/>
-            <a:ext cx="12192000" cy="830997"/>
+            <a:off x="0" y="5927320"/>
+            <a:ext cx="12192000" cy="584775"/>
           </a:xfrm>
           <a:prstGeom prst="rect">
             <a:avLst/>
@@ -3034,10 +3036,12 @@
           <a:p>
             <a:pPr algn="ctr"/>
             <a:r>
-              <a:rPr lang="en-US" sz="4800" dirty="0">
+              <a:rPr lang="en-US" sz="3200" u="sng" dirty="0">
                 <a:solidFill>
                   <a:schemeClr val="bg1"/>
                 </a:solidFill>
+                <a:latin typeface="Assistant SemiBold" panose="00000700000000000000" pitchFamily="2" charset="-79"/>
+                <a:cs typeface="Assistant SemiBold" panose="00000700000000000000" pitchFamily="2" charset="-79"/>
               </a:rPr>
               <a:t>“Guide Us, O Thou Great Jehovah”</a:t>
             </a:r>
@@ -3052,8 +3056,8 @@
         </p:nvSpPr>
         <p:spPr>
           <a:xfrm>
-            <a:off x="0" y="257866"/>
-            <a:ext cx="12192000" cy="5078313"/>
+            <a:off x="0" y="791126"/>
+            <a:ext cx="12192000" cy="3970318"/>
           </a:xfrm>
           <a:prstGeom prst="rect">
             <a:avLst/>
@@ -3068,10 +3072,12 @@
           <a:p>
             <a:pPr algn="ctr"/>
             <a:r>
-              <a:rPr lang="en-US" sz="3600" dirty="0">
+              <a:rPr lang="en-US" sz="2800" spc="50" dirty="0">
                 <a:solidFill>
                   <a:schemeClr val="bg1"/>
                 </a:solidFill>
+                <a:latin typeface="Assistant" panose="00000500000000000000" pitchFamily="2" charset="-79"/>
+                <a:cs typeface="Assistant" panose="00000500000000000000" pitchFamily="2" charset="-79"/>
               </a:rPr>
               <a:t>Guide us, O Thou Great Jehovah,</a:t>
             </a:r>
@@ -3079,10 +3085,12 @@
           <a:p>
             <a:pPr algn="ctr"/>
             <a:r>
-              <a:rPr lang="en-US" sz="3600" dirty="0">
+              <a:rPr lang="en-US" sz="2800" spc="50" dirty="0">
                 <a:solidFill>
                   <a:schemeClr val="bg1"/>
                 </a:solidFill>
+                <a:latin typeface="Assistant" panose="00000500000000000000" pitchFamily="2" charset="-79"/>
+                <a:cs typeface="Assistant" panose="00000500000000000000" pitchFamily="2" charset="-79"/>
               </a:rPr>
               <a:t>Saints unto the promised land;</a:t>
             </a:r>
@@ -3090,10 +3098,12 @@
           <a:p>
             <a:pPr algn="ctr"/>
             <a:r>
-              <a:rPr lang="en-US" sz="3600" dirty="0">
+              <a:rPr lang="en-US" sz="2800" spc="50" dirty="0">
                 <a:solidFill>
                   <a:schemeClr val="bg1"/>
                 </a:solidFill>
+                <a:latin typeface="Assistant" panose="00000500000000000000" pitchFamily="2" charset="-79"/>
+                <a:cs typeface="Assistant" panose="00000500000000000000" pitchFamily="2" charset="-79"/>
               </a:rPr>
               <a:t>We are weak, but Thou art able;</a:t>
             </a:r>
@@ -3101,29 +3111,35 @@
           <a:p>
             <a:pPr algn="ctr"/>
             <a:r>
-              <a:rPr lang="en-US" sz="3600" dirty="0">
+              <a:rPr lang="en-US" sz="2800" spc="50" dirty="0">
                 <a:solidFill>
                   <a:schemeClr val="bg1"/>
                 </a:solidFill>
+                <a:latin typeface="Assistant" panose="00000500000000000000" pitchFamily="2" charset="-79"/>
+                <a:cs typeface="Assistant" panose="00000500000000000000" pitchFamily="2" charset="-79"/>
               </a:rPr>
               <a:t>Hold us with Thy powerful hand.</a:t>
             </a:r>
           </a:p>
           <a:p>
             <a:pPr algn="ctr"/>
-            <a:endParaRPr lang="en-US" sz="3600" dirty="0">
+            <a:endParaRPr lang="en-US" sz="2800" spc="50" dirty="0">
               <a:solidFill>
                 <a:schemeClr val="bg1"/>
               </a:solidFill>
+              <a:latin typeface="Assistant" panose="00000500000000000000" pitchFamily="2" charset="-79"/>
+              <a:cs typeface="Assistant" panose="00000500000000000000" pitchFamily="2" charset="-79"/>
             </a:endParaRPr>
           </a:p>
           <a:p>
             <a:pPr algn="ctr"/>
             <a:r>
-              <a:rPr lang="en-US" sz="3600" dirty="0">
+              <a:rPr lang="en-US" sz="2800" spc="50" dirty="0">
                 <a:solidFill>
                   <a:schemeClr val="bg1"/>
                 </a:solidFill>
+                <a:latin typeface="Assistant" panose="00000500000000000000" pitchFamily="2" charset="-79"/>
+                <a:cs typeface="Assistant" panose="00000500000000000000" pitchFamily="2" charset="-79"/>
               </a:rPr>
               <a:t>Holy Spirit,</a:t>
             </a:r>
@@ -3131,10 +3147,12 @@
           <a:p>
             <a:pPr algn="ctr"/>
             <a:r>
-              <a:rPr lang="en-US" sz="3600" dirty="0">
+              <a:rPr lang="en-US" sz="2800" spc="50" dirty="0">
                 <a:solidFill>
                   <a:schemeClr val="bg1"/>
                 </a:solidFill>
+                <a:latin typeface="Assistant" panose="00000500000000000000" pitchFamily="2" charset="-79"/>
+                <a:cs typeface="Assistant" panose="00000500000000000000" pitchFamily="2" charset="-79"/>
               </a:rPr>
               <a:t>Holy Spirit,</a:t>
             </a:r>
@@ -3142,26 +3160,32 @@
           <a:p>
             <a:pPr algn="ctr"/>
             <a:r>
-              <a:rPr lang="en-US" sz="3600" dirty="0">
+              <a:rPr lang="en-US" sz="2800" spc="50" dirty="0">
                 <a:solidFill>
                   <a:schemeClr val="bg1"/>
                 </a:solidFill>
+                <a:latin typeface="Assistant" panose="00000500000000000000" pitchFamily="2" charset="-79"/>
+                <a:cs typeface="Assistant" panose="00000500000000000000" pitchFamily="2" charset="-79"/>
               </a:rPr>
               <a:t>Feed us ‘til the </a:t>
             </a:r>
             <a:r>
-              <a:rPr lang="en-US" sz="3600" dirty="0" err="1">
+              <a:rPr lang="en-US" sz="2800" spc="50" dirty="0" err="1">
                 <a:solidFill>
                   <a:schemeClr val="bg1"/>
                 </a:solidFill>
+                <a:latin typeface="Assistant" panose="00000500000000000000" pitchFamily="2" charset="-79"/>
+                <a:cs typeface="Assistant" panose="00000500000000000000" pitchFamily="2" charset="-79"/>
               </a:rPr>
               <a:t>Saviour</a:t>
             </a:r>
             <a:r>
-              <a:rPr lang="en-US" sz="3600" dirty="0">
+              <a:rPr lang="en-US" sz="2800" spc="50" dirty="0">
                 <a:solidFill>
                   <a:schemeClr val="bg1"/>
                 </a:solidFill>
+                <a:latin typeface="Assistant" panose="00000500000000000000" pitchFamily="2" charset="-79"/>
+                <a:cs typeface="Assistant" panose="00000500000000000000" pitchFamily="2" charset="-79"/>
               </a:rPr>
               <a:t> comes;</a:t>
             </a:r>
@@ -3169,26 +3193,32 @@
           <a:p>
             <a:pPr algn="ctr"/>
             <a:r>
-              <a:rPr lang="en-US" sz="3600" dirty="0">
+              <a:rPr lang="en-US" sz="2800" spc="50" dirty="0">
                 <a:solidFill>
                   <a:schemeClr val="bg1"/>
                 </a:solidFill>
+                <a:latin typeface="Assistant" panose="00000500000000000000" pitchFamily="2" charset="-79"/>
+                <a:cs typeface="Assistant" panose="00000500000000000000" pitchFamily="2" charset="-79"/>
               </a:rPr>
               <a:t>Feed us ‘til the </a:t>
             </a:r>
             <a:r>
-              <a:rPr lang="en-US" sz="3600" dirty="0" err="1">
+              <a:rPr lang="en-US" sz="2800" spc="50" dirty="0" err="1">
                 <a:solidFill>
                   <a:schemeClr val="bg1"/>
                 </a:solidFill>
+                <a:latin typeface="Assistant" panose="00000500000000000000" pitchFamily="2" charset="-79"/>
+                <a:cs typeface="Assistant" panose="00000500000000000000" pitchFamily="2" charset="-79"/>
               </a:rPr>
               <a:t>Saviour</a:t>
             </a:r>
             <a:r>
-              <a:rPr lang="en-US" sz="3600" dirty="0">
+              <a:rPr lang="en-US" sz="2800" spc="50" dirty="0">
                 <a:solidFill>
                   <a:schemeClr val="bg1"/>
                 </a:solidFill>
+                <a:latin typeface="Assistant" panose="00000500000000000000" pitchFamily="2" charset="-79"/>
+                <a:cs typeface="Assistant" panose="00000500000000000000" pitchFamily="2" charset="-79"/>
               </a:rPr>
               <a:t> comes.</a:t>
             </a:r>
@@ -3290,8 +3320,8 @@
         </p:nvSpPr>
         <p:spPr>
           <a:xfrm>
-            <a:off x="0" y="5804209"/>
-            <a:ext cx="12192000" cy="830997"/>
+            <a:off x="0" y="5927320"/>
+            <a:ext cx="12192000" cy="584775"/>
           </a:xfrm>
           <a:prstGeom prst="rect">
             <a:avLst/>
@@ -3306,10 +3336,12 @@
           <a:p>
             <a:pPr algn="ctr"/>
             <a:r>
-              <a:rPr lang="en-US" sz="4800" dirty="0">
+              <a:rPr lang="en-US" sz="3200" u="sng" dirty="0">
                 <a:solidFill>
                   <a:schemeClr val="bg1"/>
                 </a:solidFill>
+                <a:latin typeface="Assistant SemiBold" panose="00000700000000000000" pitchFamily="2" charset="-79"/>
+                <a:cs typeface="Assistant SemiBold" panose="00000700000000000000" pitchFamily="2" charset="-79"/>
               </a:rPr>
               <a:t>“Guide Us, O Thou Great Jehovah”</a:t>
             </a:r>
@@ -3324,8 +3356,8 @@
         </p:nvSpPr>
         <p:spPr>
           <a:xfrm>
-            <a:off x="0" y="257866"/>
-            <a:ext cx="12192000" cy="5078313"/>
+            <a:off x="0" y="791126"/>
+            <a:ext cx="12192000" cy="3970318"/>
           </a:xfrm>
           <a:prstGeom prst="rect">
             <a:avLst/>
@@ -3340,10 +3372,12 @@
           <a:p>
             <a:pPr algn="ctr"/>
             <a:r>
-              <a:rPr lang="en-US" sz="3600" dirty="0">
+              <a:rPr lang="en-US" sz="2800" spc="50" dirty="0">
                 <a:solidFill>
                   <a:schemeClr val="bg1"/>
                 </a:solidFill>
+                <a:latin typeface="Assistant" panose="00000500000000000000" pitchFamily="2" charset="-79"/>
+                <a:cs typeface="Assistant" panose="00000500000000000000" pitchFamily="2" charset="-79"/>
               </a:rPr>
               <a:t>Open, Jesus, Zion’s fountains;</a:t>
             </a:r>
@@ -3351,10 +3385,12 @@
           <a:p>
             <a:pPr algn="ctr"/>
             <a:r>
-              <a:rPr lang="en-US" sz="3600" dirty="0">
+              <a:rPr lang="en-US" sz="2800" spc="50" dirty="0">
                 <a:solidFill>
                   <a:schemeClr val="bg1"/>
                 </a:solidFill>
+                <a:latin typeface="Assistant" panose="00000500000000000000" pitchFamily="2" charset="-79"/>
+                <a:cs typeface="Assistant" panose="00000500000000000000" pitchFamily="2" charset="-79"/>
               </a:rPr>
               <a:t>Let her richest blessings come;</a:t>
             </a:r>
@@ -3362,10 +3398,12 @@
           <a:p>
             <a:pPr algn="ctr"/>
             <a:r>
-              <a:rPr lang="en-US" sz="3600" dirty="0">
+              <a:rPr lang="en-US" sz="2800" spc="50" dirty="0">
                 <a:solidFill>
                   <a:schemeClr val="bg1"/>
                 </a:solidFill>
+                <a:latin typeface="Assistant" panose="00000500000000000000" pitchFamily="2" charset="-79"/>
+                <a:cs typeface="Assistant" panose="00000500000000000000" pitchFamily="2" charset="-79"/>
               </a:rPr>
               <a:t>Let the fiery, cloudy pillar</a:t>
             </a:r>
@@ -3373,29 +3411,35 @@
           <a:p>
             <a:pPr algn="ctr"/>
             <a:r>
-              <a:rPr lang="en-US" sz="3600" dirty="0">
+              <a:rPr lang="en-US" sz="2800" spc="50" dirty="0">
                 <a:solidFill>
                   <a:schemeClr val="bg1"/>
                 </a:solidFill>
+                <a:latin typeface="Assistant" panose="00000500000000000000" pitchFamily="2" charset="-79"/>
+                <a:cs typeface="Assistant" panose="00000500000000000000" pitchFamily="2" charset="-79"/>
               </a:rPr>
               <a:t>Guard us to that holy home.</a:t>
             </a:r>
           </a:p>
           <a:p>
             <a:pPr algn="ctr"/>
-            <a:endParaRPr lang="en-US" sz="3600" dirty="0">
+            <a:endParaRPr lang="en-US" sz="2800" spc="50" dirty="0">
               <a:solidFill>
                 <a:schemeClr val="bg1"/>
               </a:solidFill>
+              <a:latin typeface="Assistant" panose="00000500000000000000" pitchFamily="2" charset="-79"/>
+              <a:cs typeface="Assistant" panose="00000500000000000000" pitchFamily="2" charset="-79"/>
             </a:endParaRPr>
           </a:p>
           <a:p>
             <a:pPr algn="ctr"/>
             <a:r>
-              <a:rPr lang="en-US" sz="3600" dirty="0">
+              <a:rPr lang="en-US" sz="2800" spc="50" dirty="0">
                 <a:solidFill>
                   <a:schemeClr val="bg1"/>
                 </a:solidFill>
+                <a:latin typeface="Assistant" panose="00000500000000000000" pitchFamily="2" charset="-79"/>
+                <a:cs typeface="Assistant" panose="00000500000000000000" pitchFamily="2" charset="-79"/>
               </a:rPr>
               <a:t>Great Redeemer,</a:t>
             </a:r>
@@ -3403,10 +3447,12 @@
           <a:p>
             <a:pPr algn="ctr"/>
             <a:r>
-              <a:rPr lang="en-US" sz="3600" dirty="0">
+              <a:rPr lang="en-US" sz="2800" spc="50" dirty="0">
                 <a:solidFill>
                   <a:schemeClr val="bg1"/>
                 </a:solidFill>
+                <a:latin typeface="Assistant" panose="00000500000000000000" pitchFamily="2" charset="-79"/>
+                <a:cs typeface="Assistant" panose="00000500000000000000" pitchFamily="2" charset="-79"/>
               </a:rPr>
               <a:t>Great Redeemer,</a:t>
             </a:r>
@@ -3414,10 +3460,12 @@
           <a:p>
             <a:pPr algn="ctr"/>
             <a:r>
-              <a:rPr lang="en-US" sz="3600" dirty="0">
+              <a:rPr lang="en-US" sz="2800" spc="50" dirty="0">
                 <a:solidFill>
                   <a:schemeClr val="bg1"/>
                 </a:solidFill>
+                <a:latin typeface="Assistant" panose="00000500000000000000" pitchFamily="2" charset="-79"/>
+                <a:cs typeface="Assistant" panose="00000500000000000000" pitchFamily="2" charset="-79"/>
               </a:rPr>
               <a:t>Bring, oh bring the welcome day!</a:t>
             </a:r>
@@ -3425,10 +3473,12 @@
           <a:p>
             <a:pPr algn="ctr"/>
             <a:r>
-              <a:rPr lang="en-US" sz="3600" dirty="0">
+              <a:rPr lang="en-US" sz="2800" spc="50" dirty="0">
                 <a:solidFill>
                   <a:schemeClr val="bg1"/>
                 </a:solidFill>
+                <a:latin typeface="Assistant" panose="00000500000000000000" pitchFamily="2" charset="-79"/>
+                <a:cs typeface="Assistant" panose="00000500000000000000" pitchFamily="2" charset="-79"/>
               </a:rPr>
               <a:t>Bring, oh bring the welcome day!</a:t>
             </a:r>
@@ -3530,8 +3580,8 @@
         </p:nvSpPr>
         <p:spPr>
           <a:xfrm>
-            <a:off x="0" y="5804209"/>
-            <a:ext cx="12192000" cy="830997"/>
+            <a:off x="0" y="5927320"/>
+            <a:ext cx="12192000" cy="584775"/>
           </a:xfrm>
           <a:prstGeom prst="rect">
             <a:avLst/>
@@ -3546,10 +3596,12 @@
           <a:p>
             <a:pPr algn="ctr"/>
             <a:r>
-              <a:rPr lang="en-US" sz="4800" dirty="0">
+              <a:rPr lang="en-US" sz="3200" u="sng" dirty="0">
                 <a:solidFill>
                   <a:schemeClr val="bg1"/>
                 </a:solidFill>
+                <a:latin typeface="Assistant SemiBold" panose="00000700000000000000" pitchFamily="2" charset="-79"/>
+                <a:cs typeface="Assistant SemiBold" panose="00000700000000000000" pitchFamily="2" charset="-79"/>
               </a:rPr>
               <a:t>“Guide Us, O Thou Great Jehovah”</a:t>
             </a:r>
@@ -3564,8 +3616,8 @@
         </p:nvSpPr>
         <p:spPr>
           <a:xfrm>
-            <a:off x="0" y="257866"/>
-            <a:ext cx="12192000" cy="5078313"/>
+            <a:off x="0" y="791126"/>
+            <a:ext cx="12192000" cy="3970318"/>
           </a:xfrm>
           <a:prstGeom prst="rect">
             <a:avLst/>
@@ -3580,10 +3632,12 @@
           <a:p>
             <a:pPr algn="ctr"/>
             <a:r>
-              <a:rPr lang="en-US" sz="3600" dirty="0">
+              <a:rPr lang="en-US" sz="2800" spc="50" dirty="0">
                 <a:solidFill>
                   <a:schemeClr val="bg1"/>
                 </a:solidFill>
+                <a:latin typeface="Assistant" panose="00000500000000000000" pitchFamily="2" charset="-79"/>
+                <a:cs typeface="Assistant" panose="00000500000000000000" pitchFamily="2" charset="-79"/>
               </a:rPr>
               <a:t>When the earth begins to tremble,</a:t>
             </a:r>
@@ -3591,10 +3645,12 @@
           <a:p>
             <a:pPr algn="ctr"/>
             <a:r>
-              <a:rPr lang="en-US" sz="3600" dirty="0">
+              <a:rPr lang="en-US" sz="2800" spc="50" dirty="0">
                 <a:solidFill>
                   <a:schemeClr val="bg1"/>
                 </a:solidFill>
+                <a:latin typeface="Assistant" panose="00000500000000000000" pitchFamily="2" charset="-79"/>
+                <a:cs typeface="Assistant" panose="00000500000000000000" pitchFamily="2" charset="-79"/>
               </a:rPr>
               <a:t>Bid our fearful thoughts be still;</a:t>
             </a:r>
@@ -3602,10 +3658,12 @@
           <a:p>
             <a:pPr algn="ctr"/>
             <a:r>
-              <a:rPr lang="en-US" sz="3600" dirty="0">
+              <a:rPr lang="en-US" sz="2800" spc="50" dirty="0">
                 <a:solidFill>
                   <a:schemeClr val="bg1"/>
                 </a:solidFill>
+                <a:latin typeface="Assistant" panose="00000500000000000000" pitchFamily="2" charset="-79"/>
+                <a:cs typeface="Assistant" panose="00000500000000000000" pitchFamily="2" charset="-79"/>
               </a:rPr>
               <a:t>When Thy judgements spread destruction,</a:t>
             </a:r>
@@ -3613,29 +3671,35 @@
           <a:p>
             <a:pPr algn="ctr"/>
             <a:r>
-              <a:rPr lang="en-US" sz="3600" dirty="0">
+              <a:rPr lang="en-US" sz="2800" spc="50" dirty="0">
                 <a:solidFill>
                   <a:schemeClr val="bg1"/>
                 </a:solidFill>
+                <a:latin typeface="Assistant" panose="00000500000000000000" pitchFamily="2" charset="-79"/>
+                <a:cs typeface="Assistant" panose="00000500000000000000" pitchFamily="2" charset="-79"/>
               </a:rPr>
               <a:t>Keep us safe on Zion’s hill,</a:t>
             </a:r>
           </a:p>
           <a:p>
             <a:pPr algn="ctr"/>
-            <a:endParaRPr lang="en-US" sz="3600" dirty="0">
+            <a:endParaRPr lang="en-US" sz="2800" spc="50" dirty="0">
               <a:solidFill>
                 <a:schemeClr val="bg1"/>
               </a:solidFill>
+              <a:latin typeface="Assistant" panose="00000500000000000000" pitchFamily="2" charset="-79"/>
+              <a:cs typeface="Assistant" panose="00000500000000000000" pitchFamily="2" charset="-79"/>
             </a:endParaRPr>
           </a:p>
           <a:p>
             <a:pPr algn="ctr"/>
             <a:r>
-              <a:rPr lang="en-US" sz="3600" dirty="0">
+              <a:rPr lang="en-US" sz="2800" spc="50" dirty="0">
                 <a:solidFill>
                   <a:schemeClr val="bg1"/>
                 </a:solidFill>
+                <a:latin typeface="Assistant" panose="00000500000000000000" pitchFamily="2" charset="-79"/>
+                <a:cs typeface="Assistant" panose="00000500000000000000" pitchFamily="2" charset="-79"/>
               </a:rPr>
               <a:t>Singing praises,</a:t>
             </a:r>
@@ -3643,10 +3707,12 @@
           <a:p>
             <a:pPr algn="ctr"/>
             <a:r>
-              <a:rPr lang="en-US" sz="3600" dirty="0">
+              <a:rPr lang="en-US" sz="2800" spc="50" dirty="0">
                 <a:solidFill>
                   <a:schemeClr val="bg1"/>
                 </a:solidFill>
+                <a:latin typeface="Assistant" panose="00000500000000000000" pitchFamily="2" charset="-79"/>
+                <a:cs typeface="Assistant" panose="00000500000000000000" pitchFamily="2" charset="-79"/>
               </a:rPr>
               <a:t>Singing praises,</a:t>
             </a:r>
@@ -3654,10 +3720,12 @@
           <a:p>
             <a:pPr algn="ctr"/>
             <a:r>
-              <a:rPr lang="en-US" sz="3600" dirty="0">
+              <a:rPr lang="en-US" sz="2800" spc="50" dirty="0">
                 <a:solidFill>
                   <a:schemeClr val="bg1"/>
                 </a:solidFill>
+                <a:latin typeface="Assistant" panose="00000500000000000000" pitchFamily="2" charset="-79"/>
+                <a:cs typeface="Assistant" panose="00000500000000000000" pitchFamily="2" charset="-79"/>
               </a:rPr>
               <a:t>Songs of glory unto Thee,</a:t>
             </a:r>
@@ -3665,10 +3733,12 @@
           <a:p>
             <a:pPr algn="ctr"/>
             <a:r>
-              <a:rPr lang="en-US" sz="3600" dirty="0">
+              <a:rPr lang="en-US" sz="2800" spc="50" dirty="0">
                 <a:solidFill>
                   <a:schemeClr val="bg1"/>
                 </a:solidFill>
+                <a:latin typeface="Assistant" panose="00000500000000000000" pitchFamily="2" charset="-79"/>
+                <a:cs typeface="Assistant" panose="00000500000000000000" pitchFamily="2" charset="-79"/>
               </a:rPr>
               <a:t>Songs of glory unto Thee.</a:t>
             </a:r>
